--- a/DigitalRecipeV2.ppt.pptx
+++ b/DigitalRecipeV2.ppt.pptx
@@ -5,23 +5,21 @@
     <p:sldMasterId id="2147483659" r:id="rId1"/>
   </p:sldMasterIdLst>
   <p:notesMasterIdLst>
-    <p:notesMasterId r:id="rId16"/>
+    <p:notesMasterId r:id="rId14"/>
   </p:notesMasterIdLst>
   <p:sldIdLst>
     <p:sldId id="256" r:id="rId2"/>
     <p:sldId id="257" r:id="rId3"/>
     <p:sldId id="258" r:id="rId4"/>
-    <p:sldId id="259" r:id="rId5"/>
-    <p:sldId id="260" r:id="rId6"/>
-    <p:sldId id="261" r:id="rId7"/>
-    <p:sldId id="269" r:id="rId8"/>
-    <p:sldId id="270" r:id="rId9"/>
-    <p:sldId id="271" r:id="rId10"/>
-    <p:sldId id="272" r:id="rId11"/>
-    <p:sldId id="265" r:id="rId12"/>
-    <p:sldId id="266" r:id="rId13"/>
-    <p:sldId id="267" r:id="rId14"/>
-    <p:sldId id="268" r:id="rId15"/>
+    <p:sldId id="260" r:id="rId5"/>
+    <p:sldId id="261" r:id="rId6"/>
+    <p:sldId id="269" r:id="rId7"/>
+    <p:sldId id="270" r:id="rId8"/>
+    <p:sldId id="271" r:id="rId9"/>
+    <p:sldId id="272" r:id="rId10"/>
+    <p:sldId id="265" r:id="rId11"/>
+    <p:sldId id="266" r:id="rId12"/>
+    <p:sldId id="268" r:id="rId13"/>
   </p:sldIdLst>
   <p:sldSz cx="9144000" cy="6858000" type="screen4x3"/>
   <p:notesSz cx="6858000" cy="9144000"/>
@@ -612,116 +610,6 @@
   <p:cSld>
     <p:spTree>
       <p:nvGrpSpPr>
-        <p:cNvPr id="1" name="Shape 123"/>
-        <p:cNvGrpSpPr/>
-        <p:nvPr/>
-      </p:nvGrpSpPr>
-      <p:grpSpPr>
-        <a:xfrm>
-          <a:off x="0" y="0"/>
-          <a:ext cx="0" cy="0"/>
-          <a:chOff x="0" y="0"/>
-          <a:chExt cx="0" cy="0"/>
-        </a:xfrm>
-      </p:grpSpPr>
-      <p:sp>
-        <p:nvSpPr>
-          <p:cNvPr id="124" name="Shape 124"/>
-          <p:cNvSpPr txBox="1">
-            <a:spLocks noGrp="1"/>
-          </p:cNvSpPr>
-          <p:nvPr>
-            <p:ph type="body" idx="1"/>
-          </p:nvPr>
-        </p:nvSpPr>
-        <p:spPr>
-          <a:xfrm>
-            <a:off x="685800" y="4343400"/>
-            <a:ext cx="5486399" cy="4114800"/>
-          </a:xfrm>
-          <a:prstGeom prst="rect">
-            <a:avLst/>
-          </a:prstGeom>
-          <a:noFill/>
-          <a:ln>
-            <a:noFill/>
-          </a:ln>
-        </p:spPr>
-        <p:txBody>
-          <a:bodyPr lIns="91425" tIns="91425" rIns="91425" bIns="91425" anchor="ctr" anchorCtr="0">
-            <a:noAutofit/>
-          </a:bodyPr>
-          <a:lstStyle/>
-          <a:p>
-            <a:pPr lvl="0">
-              <a:spcBef>
-                <a:spcPts val="0"/>
-              </a:spcBef>
-              <a:buNone/>
-            </a:pPr>
-            <a:endParaRPr/>
-          </a:p>
-        </p:txBody>
-      </p:sp>
-      <p:sp>
-        <p:nvSpPr>
-          <p:cNvPr id="125" name="Shape 125"/>
-          <p:cNvSpPr>
-            <a:spLocks noGrp="1" noRot="1" noChangeAspect="1"/>
-          </p:cNvSpPr>
-          <p:nvPr>
-            <p:ph type="sldImg" idx="2"/>
-          </p:nvPr>
-        </p:nvSpPr>
-        <p:spPr>
-          <a:xfrm>
-            <a:off x="1143000" y="685800"/>
-            <a:ext cx="4572000" cy="3429000"/>
-          </a:xfrm>
-          <a:custGeom>
-            <a:avLst/>
-            <a:gdLst/>
-            <a:ahLst/>
-            <a:cxnLst/>
-            <a:rect l="0" t="0" r="0" b="0"/>
-            <a:pathLst>
-              <a:path w="120000" h="120000" extrusionOk="0">
-                <a:moveTo>
-                  <a:pt x="0" y="0"/>
-                </a:moveTo>
-                <a:lnTo>
-                  <a:pt x="120000" y="0"/>
-                </a:lnTo>
-                <a:lnTo>
-                  <a:pt x="120000" y="120000"/>
-                </a:lnTo>
-                <a:lnTo>
-                  <a:pt x="0" y="120000"/>
-                </a:lnTo>
-                <a:close/>
-              </a:path>
-            </a:pathLst>
-          </a:custGeom>
-        </p:spPr>
-      </p:sp>
-    </p:spTree>
-    <p:extLst>
-      <p:ext uri="{BB962C8B-B14F-4D97-AF65-F5344CB8AC3E}">
-        <p14:creationId xmlns:p14="http://schemas.microsoft.com/office/powerpoint/2010/main" val="1836913352"/>
-      </p:ext>
-    </p:extLst>
-  </p:cSld>
-  <p:clrMapOvr>
-    <a:masterClrMapping/>
-  </p:clrMapOvr>
-</p:notes>
-</file>
-
-<file path=ppt/notesSlides/notesSlide11.xml><?xml version="1.0" encoding="utf-8"?>
-<p:notes xmlns:a="http://schemas.openxmlformats.org/drawingml/2006/main" xmlns:r="http://schemas.openxmlformats.org/officeDocument/2006/relationships" xmlns:p="http://schemas.openxmlformats.org/presentationml/2006/main" showMasterSp="0" showMasterPhAnim="0">
-  <p:cSld>
-    <p:spTree>
-      <p:nvGrpSpPr>
         <p:cNvPr id="1" name="Shape 132"/>
         <p:cNvGrpSpPr/>
         <p:nvPr/>
@@ -827,7 +715,7 @@
 </p:notes>
 </file>
 
-<file path=ppt/notesSlides/notesSlide12.xml><?xml version="1.0" encoding="utf-8"?>
+<file path=ppt/notesSlides/notesSlide11.xml><?xml version="1.0" encoding="utf-8"?>
 <p:notes xmlns:a="http://schemas.openxmlformats.org/drawingml/2006/main" xmlns:r="http://schemas.openxmlformats.org/officeDocument/2006/relationships" xmlns:p="http://schemas.openxmlformats.org/presentationml/2006/main" showMasterSp="0" showMasterPhAnim="0">
   <p:cSld>
     <p:spTree>
@@ -895,8 +783,8 @@
         </p:nvSpPr>
         <p:spPr>
           <a:xfrm>
-            <a:off x="1143225" y="685800"/>
-            <a:ext cx="4572225" cy="3429000"/>
+            <a:off x="1143000" y="685800"/>
+            <a:ext cx="4572000" cy="3429000"/>
           </a:xfrm>
           <a:custGeom>
             <a:avLst/>
@@ -937,117 +825,7 @@
 </p:notes>
 </file>
 
-<file path=ppt/notesSlides/notesSlide13.xml><?xml version="1.0" encoding="utf-8"?>
-<p:notes xmlns:a="http://schemas.openxmlformats.org/drawingml/2006/main" xmlns:r="http://schemas.openxmlformats.org/officeDocument/2006/relationships" xmlns:p="http://schemas.openxmlformats.org/presentationml/2006/main" showMasterSp="0" showMasterPhAnim="0">
-  <p:cSld>
-    <p:spTree>
-      <p:nvGrpSpPr>
-        <p:cNvPr id="1" name="Shape 144"/>
-        <p:cNvGrpSpPr/>
-        <p:nvPr/>
-      </p:nvGrpSpPr>
-      <p:grpSpPr>
-        <a:xfrm>
-          <a:off x="0" y="0"/>
-          <a:ext cx="0" cy="0"/>
-          <a:chOff x="0" y="0"/>
-          <a:chExt cx="0" cy="0"/>
-        </a:xfrm>
-      </p:grpSpPr>
-      <p:sp>
-        <p:nvSpPr>
-          <p:cNvPr id="145" name="Shape 145"/>
-          <p:cNvSpPr txBox="1">
-            <a:spLocks noGrp="1"/>
-          </p:cNvSpPr>
-          <p:nvPr>
-            <p:ph type="body" idx="1"/>
-          </p:nvPr>
-        </p:nvSpPr>
-        <p:spPr>
-          <a:xfrm>
-            <a:off x="685800" y="4343400"/>
-            <a:ext cx="5486399" cy="4114800"/>
-          </a:xfrm>
-          <a:prstGeom prst="rect">
-            <a:avLst/>
-          </a:prstGeom>
-          <a:noFill/>
-          <a:ln>
-            <a:noFill/>
-          </a:ln>
-        </p:spPr>
-        <p:txBody>
-          <a:bodyPr lIns="91425" tIns="91425" rIns="91425" bIns="91425" anchor="ctr" anchorCtr="0">
-            <a:noAutofit/>
-          </a:bodyPr>
-          <a:lstStyle/>
-          <a:p>
-            <a:pPr lvl="0">
-              <a:spcBef>
-                <a:spcPts val="0"/>
-              </a:spcBef>
-              <a:buNone/>
-            </a:pPr>
-            <a:endParaRPr/>
-          </a:p>
-        </p:txBody>
-      </p:sp>
-      <p:sp>
-        <p:nvSpPr>
-          <p:cNvPr id="146" name="Shape 146"/>
-          <p:cNvSpPr>
-            <a:spLocks noGrp="1" noRot="1" noChangeAspect="1"/>
-          </p:cNvSpPr>
-          <p:nvPr>
-            <p:ph type="sldImg" idx="2"/>
-          </p:nvPr>
-        </p:nvSpPr>
-        <p:spPr>
-          <a:xfrm>
-            <a:off x="1143225" y="685800"/>
-            <a:ext cx="4572225" cy="3429000"/>
-          </a:xfrm>
-          <a:custGeom>
-            <a:avLst/>
-            <a:gdLst/>
-            <a:ahLst/>
-            <a:cxnLst/>
-            <a:rect l="0" t="0" r="0" b="0"/>
-            <a:pathLst>
-              <a:path w="120000" h="120000" extrusionOk="0">
-                <a:moveTo>
-                  <a:pt x="0" y="0"/>
-                </a:moveTo>
-                <a:lnTo>
-                  <a:pt x="120000" y="0"/>
-                </a:lnTo>
-                <a:lnTo>
-                  <a:pt x="120000" y="120000"/>
-                </a:lnTo>
-                <a:lnTo>
-                  <a:pt x="0" y="120000"/>
-                </a:lnTo>
-                <a:close/>
-              </a:path>
-            </a:pathLst>
-          </a:custGeom>
-        </p:spPr>
-      </p:sp>
-    </p:spTree>
-    <p:extLst>
-      <p:ext uri="{BB962C8B-B14F-4D97-AF65-F5344CB8AC3E}">
-        <p14:creationId xmlns:p14="http://schemas.microsoft.com/office/powerpoint/2010/main" val="211356175"/>
-      </p:ext>
-    </p:extLst>
-  </p:cSld>
-  <p:clrMapOvr>
-    <a:masterClrMapping/>
-  </p:clrMapOvr>
-</p:notes>
-</file>
-
-<file path=ppt/notesSlides/notesSlide14.xml><?xml version="1.0" encoding="utf-8"?>
+<file path=ppt/notesSlides/notesSlide12.xml><?xml version="1.0" encoding="utf-8"?>
 <p:notes xmlns:a="http://schemas.openxmlformats.org/drawingml/2006/main" xmlns:r="http://schemas.openxmlformats.org/officeDocument/2006/relationships" xmlns:p="http://schemas.openxmlformats.org/presentationml/2006/main" showMasterSp="0" showMasterPhAnim="0">
   <p:cSld>
     <p:spTree>
@@ -1382,116 +1160,6 @@
   <p:cSld>
     <p:spTree>
       <p:nvGrpSpPr>
-        <p:cNvPr id="1" name="Shape 89"/>
-        <p:cNvGrpSpPr/>
-        <p:nvPr/>
-      </p:nvGrpSpPr>
-      <p:grpSpPr>
-        <a:xfrm>
-          <a:off x="0" y="0"/>
-          <a:ext cx="0" cy="0"/>
-          <a:chOff x="0" y="0"/>
-          <a:chExt cx="0" cy="0"/>
-        </a:xfrm>
-      </p:grpSpPr>
-      <p:sp>
-        <p:nvSpPr>
-          <p:cNvPr id="90" name="Shape 90"/>
-          <p:cNvSpPr txBox="1">
-            <a:spLocks noGrp="1"/>
-          </p:cNvSpPr>
-          <p:nvPr>
-            <p:ph type="body" idx="1"/>
-          </p:nvPr>
-        </p:nvSpPr>
-        <p:spPr>
-          <a:xfrm>
-            <a:off x="685800" y="4343400"/>
-            <a:ext cx="5486399" cy="4114800"/>
-          </a:xfrm>
-          <a:prstGeom prst="rect">
-            <a:avLst/>
-          </a:prstGeom>
-          <a:noFill/>
-          <a:ln>
-            <a:noFill/>
-          </a:ln>
-        </p:spPr>
-        <p:txBody>
-          <a:bodyPr lIns="91425" tIns="91425" rIns="91425" bIns="91425" anchor="ctr" anchorCtr="0">
-            <a:noAutofit/>
-          </a:bodyPr>
-          <a:lstStyle/>
-          <a:p>
-            <a:pPr lvl="0">
-              <a:spcBef>
-                <a:spcPts val="0"/>
-              </a:spcBef>
-              <a:buNone/>
-            </a:pPr>
-            <a:endParaRPr/>
-          </a:p>
-        </p:txBody>
-      </p:sp>
-      <p:sp>
-        <p:nvSpPr>
-          <p:cNvPr id="91" name="Shape 91"/>
-          <p:cNvSpPr>
-            <a:spLocks noGrp="1" noRot="1" noChangeAspect="1"/>
-          </p:cNvSpPr>
-          <p:nvPr>
-            <p:ph type="sldImg" idx="2"/>
-          </p:nvPr>
-        </p:nvSpPr>
-        <p:spPr>
-          <a:xfrm>
-            <a:off x="1143225" y="685800"/>
-            <a:ext cx="4572225" cy="3429000"/>
-          </a:xfrm>
-          <a:custGeom>
-            <a:avLst/>
-            <a:gdLst/>
-            <a:ahLst/>
-            <a:cxnLst/>
-            <a:rect l="0" t="0" r="0" b="0"/>
-            <a:pathLst>
-              <a:path w="120000" h="120000" extrusionOk="0">
-                <a:moveTo>
-                  <a:pt x="0" y="0"/>
-                </a:moveTo>
-                <a:lnTo>
-                  <a:pt x="120000" y="0"/>
-                </a:lnTo>
-                <a:lnTo>
-                  <a:pt x="120000" y="120000"/>
-                </a:lnTo>
-                <a:lnTo>
-                  <a:pt x="0" y="120000"/>
-                </a:lnTo>
-                <a:close/>
-              </a:path>
-            </a:pathLst>
-          </a:custGeom>
-        </p:spPr>
-      </p:sp>
-    </p:spTree>
-    <p:extLst>
-      <p:ext uri="{BB962C8B-B14F-4D97-AF65-F5344CB8AC3E}">
-        <p14:creationId xmlns:p14="http://schemas.microsoft.com/office/powerpoint/2010/main" val="2949937715"/>
-      </p:ext>
-    </p:extLst>
-  </p:cSld>
-  <p:clrMapOvr>
-    <a:masterClrMapping/>
-  </p:clrMapOvr>
-</p:notes>
-</file>
-
-<file path=ppt/notesSlides/notesSlide5.xml><?xml version="1.0" encoding="utf-8"?>
-<p:notes xmlns:a="http://schemas.openxmlformats.org/drawingml/2006/main" xmlns:r="http://schemas.openxmlformats.org/officeDocument/2006/relationships" xmlns:p="http://schemas.openxmlformats.org/presentationml/2006/main" showMasterSp="0" showMasterPhAnim="0">
-  <p:cSld>
-    <p:spTree>
-      <p:nvGrpSpPr>
         <p:cNvPr id="1" name="Shape 95"/>
         <p:cNvGrpSpPr/>
         <p:nvPr/>
@@ -1597,7 +1265,7 @@
 </p:notes>
 </file>
 
-<file path=ppt/notesSlides/notesSlide6.xml><?xml version="1.0" encoding="utf-8"?>
+<file path=ppt/notesSlides/notesSlide5.xml><?xml version="1.0" encoding="utf-8"?>
 <p:notes xmlns:a="http://schemas.openxmlformats.org/drawingml/2006/main" xmlns:r="http://schemas.openxmlformats.org/officeDocument/2006/relationships" xmlns:p="http://schemas.openxmlformats.org/presentationml/2006/main" showMasterSp="0" showMasterPhAnim="0">
   <p:cSld>
     <p:spTree>
@@ -1707,7 +1375,7 @@
 </p:notes>
 </file>
 
-<file path=ppt/notesSlides/notesSlide7.xml><?xml version="1.0" encoding="utf-8"?>
+<file path=ppt/notesSlides/notesSlide6.xml><?xml version="1.0" encoding="utf-8"?>
 <p:notes xmlns:a="http://schemas.openxmlformats.org/drawingml/2006/main" xmlns:r="http://schemas.openxmlformats.org/officeDocument/2006/relationships" xmlns:p="http://schemas.openxmlformats.org/presentationml/2006/main" showMasterSp="0" showMasterPhAnim="0">
   <p:cSld>
     <p:spTree>
@@ -1817,7 +1485,7 @@
 </p:notes>
 </file>
 
-<file path=ppt/notesSlides/notesSlide8.xml><?xml version="1.0" encoding="utf-8"?>
+<file path=ppt/notesSlides/notesSlide7.xml><?xml version="1.0" encoding="utf-8"?>
 <p:notes xmlns:a="http://schemas.openxmlformats.org/drawingml/2006/main" xmlns:r="http://schemas.openxmlformats.org/officeDocument/2006/relationships" xmlns:p="http://schemas.openxmlformats.org/presentationml/2006/main" showMasterSp="0" showMasterPhAnim="0">
   <p:cSld>
     <p:spTree>
@@ -1927,7 +1595,7 @@
 </p:notes>
 </file>
 
-<file path=ppt/notesSlides/notesSlide9.xml><?xml version="1.0" encoding="utf-8"?>
+<file path=ppt/notesSlides/notesSlide8.xml><?xml version="1.0" encoding="utf-8"?>
 <p:notes xmlns:a="http://schemas.openxmlformats.org/drawingml/2006/main" xmlns:r="http://schemas.openxmlformats.org/officeDocument/2006/relationships" xmlns:p="http://schemas.openxmlformats.org/presentationml/2006/main" showMasterSp="0" showMasterPhAnim="0">
   <p:cSld>
     <p:spTree>
@@ -2028,6 +1696,116 @@
     <p:extLst>
       <p:ext uri="{BB962C8B-B14F-4D97-AF65-F5344CB8AC3E}">
         <p14:creationId xmlns:p14="http://schemas.microsoft.com/office/powerpoint/2010/main" val="3331269362"/>
+      </p:ext>
+    </p:extLst>
+  </p:cSld>
+  <p:clrMapOvr>
+    <a:masterClrMapping/>
+  </p:clrMapOvr>
+</p:notes>
+</file>
+
+<file path=ppt/notesSlides/notesSlide9.xml><?xml version="1.0" encoding="utf-8"?>
+<p:notes xmlns:a="http://schemas.openxmlformats.org/drawingml/2006/main" xmlns:r="http://schemas.openxmlformats.org/officeDocument/2006/relationships" xmlns:p="http://schemas.openxmlformats.org/presentationml/2006/main" showMasterSp="0" showMasterPhAnim="0">
+  <p:cSld>
+    <p:spTree>
+      <p:nvGrpSpPr>
+        <p:cNvPr id="1" name="Shape 123"/>
+        <p:cNvGrpSpPr/>
+        <p:nvPr/>
+      </p:nvGrpSpPr>
+      <p:grpSpPr>
+        <a:xfrm>
+          <a:off x="0" y="0"/>
+          <a:ext cx="0" cy="0"/>
+          <a:chOff x="0" y="0"/>
+          <a:chExt cx="0" cy="0"/>
+        </a:xfrm>
+      </p:grpSpPr>
+      <p:sp>
+        <p:nvSpPr>
+          <p:cNvPr id="124" name="Shape 124"/>
+          <p:cNvSpPr txBox="1">
+            <a:spLocks noGrp="1"/>
+          </p:cNvSpPr>
+          <p:nvPr>
+            <p:ph type="body" idx="1"/>
+          </p:nvPr>
+        </p:nvSpPr>
+        <p:spPr>
+          <a:xfrm>
+            <a:off x="685800" y="4343400"/>
+            <a:ext cx="5486399" cy="4114800"/>
+          </a:xfrm>
+          <a:prstGeom prst="rect">
+            <a:avLst/>
+          </a:prstGeom>
+          <a:noFill/>
+          <a:ln>
+            <a:noFill/>
+          </a:ln>
+        </p:spPr>
+        <p:txBody>
+          <a:bodyPr lIns="91425" tIns="91425" rIns="91425" bIns="91425" anchor="ctr" anchorCtr="0">
+            <a:noAutofit/>
+          </a:bodyPr>
+          <a:lstStyle/>
+          <a:p>
+            <a:pPr lvl="0">
+              <a:spcBef>
+                <a:spcPts val="0"/>
+              </a:spcBef>
+              <a:buNone/>
+            </a:pPr>
+            <a:endParaRPr/>
+          </a:p>
+        </p:txBody>
+      </p:sp>
+      <p:sp>
+        <p:nvSpPr>
+          <p:cNvPr id="125" name="Shape 125"/>
+          <p:cNvSpPr>
+            <a:spLocks noGrp="1" noRot="1" noChangeAspect="1"/>
+          </p:cNvSpPr>
+          <p:nvPr>
+            <p:ph type="sldImg" idx="2"/>
+          </p:nvPr>
+        </p:nvSpPr>
+        <p:spPr>
+          <a:xfrm>
+            <a:off x="1143000" y="685800"/>
+            <a:ext cx="4572000" cy="3429000"/>
+          </a:xfrm>
+          <a:custGeom>
+            <a:avLst/>
+            <a:gdLst/>
+            <a:ahLst/>
+            <a:cxnLst/>
+            <a:rect l="0" t="0" r="0" b="0"/>
+            <a:pathLst>
+              <a:path w="120000" h="120000" extrusionOk="0">
+                <a:moveTo>
+                  <a:pt x="0" y="0"/>
+                </a:moveTo>
+                <a:lnTo>
+                  <a:pt x="120000" y="0"/>
+                </a:lnTo>
+                <a:lnTo>
+                  <a:pt x="120000" y="120000"/>
+                </a:lnTo>
+                <a:lnTo>
+                  <a:pt x="0" y="120000"/>
+                </a:lnTo>
+                <a:close/>
+              </a:path>
+            </a:pathLst>
+          </a:custGeom>
+        </p:spPr>
+      </p:sp>
+    </p:spTree>
+    <p:extLst>
+      <p:ext uri="{BB962C8B-B14F-4D97-AF65-F5344CB8AC3E}">
+        <p14:creationId xmlns:p14="http://schemas.microsoft.com/office/powerpoint/2010/main" val="1836913352"/>
       </p:ext>
     </p:extLst>
   </p:cSld>
@@ -11670,222 +11448,6 @@
   <p:cSld>
     <p:spTree>
       <p:nvGrpSpPr>
-        <p:cNvPr id="1" name="Shape 126"/>
-        <p:cNvGrpSpPr/>
-        <p:nvPr/>
-      </p:nvGrpSpPr>
-      <p:grpSpPr>
-        <a:xfrm>
-          <a:off x="0" y="0"/>
-          <a:ext cx="0" cy="0"/>
-          <a:chOff x="0" y="0"/>
-          <a:chExt cx="0" cy="0"/>
-        </a:xfrm>
-      </p:grpSpPr>
-      <p:sp>
-        <p:nvSpPr>
-          <p:cNvPr id="127" name="Shape 127"/>
-          <p:cNvSpPr txBox="1">
-            <a:spLocks noGrp="1"/>
-          </p:cNvSpPr>
-          <p:nvPr>
-            <p:ph type="title"/>
-          </p:nvPr>
-        </p:nvSpPr>
-        <p:spPr>
-          <a:xfrm>
-            <a:off x="457200" y="274637"/>
-            <a:ext cx="8329612" cy="1143000"/>
-          </a:xfrm>
-          <a:prstGeom prst="rect">
-            <a:avLst/>
-          </a:prstGeom>
-          <a:noFill/>
-          <a:ln>
-            <a:noFill/>
-          </a:ln>
-        </p:spPr>
-        <p:txBody>
-          <a:bodyPr lIns="91425" tIns="45700" rIns="91425" bIns="45700" anchor="ctr" anchorCtr="0">
-            <a:noAutofit/>
-          </a:bodyPr>
-          <a:lstStyle/>
-          <a:p>
-            <a:pPr marL="0" marR="0" lvl="0" indent="0" algn="ctr" rtl="1">
-              <a:spcBef>
-                <a:spcPts val="0"/>
-              </a:spcBef>
-              <a:spcAft>
-                <a:spcPts val="0"/>
-              </a:spcAft>
-              <a:buSzPct val="25000"/>
-              <a:buNone/>
-            </a:pPr>
-            <a:r>
-              <a:rPr lang="he-IL" sz="2400" b="0" i="0" u="none" strike="noStrike" cap="none" dirty="0" smtClean="0">
-                <a:solidFill>
-                  <a:srgbClr val="4FB21E"/>
-                </a:solidFill>
-                <a:sym typeface="Arial"/>
-              </a:rPr>
-              <a:t>מסכים נוספים – </a:t>
-            </a:r>
-            <a:br>
-              <a:rPr lang="he-IL" sz="2400" b="0" i="0" u="none" strike="noStrike" cap="none" dirty="0" smtClean="0">
-                <a:solidFill>
-                  <a:srgbClr val="4FB21E"/>
-                </a:solidFill>
-                <a:sym typeface="Arial"/>
-              </a:rPr>
-            </a:br>
-            <a:r>
-              <a:rPr lang="he-IL" sz="2400" dirty="0" smtClean="0"/>
-              <a:t>הודעת </a:t>
-            </a:r>
-            <a:r>
-              <a:rPr lang="en-US" sz="2400" dirty="0" smtClean="0"/>
-              <a:t>PUSH</a:t>
-            </a:r>
-            <a:r>
-              <a:rPr lang="he-IL" sz="2400" dirty="0" smtClean="0"/>
-              <a:t> על יצירת מתכון חדש/ בחירת רכיבים/שמירת מתכון</a:t>
-            </a:r>
-            <a:endParaRPr lang="x-none" sz="2400" b="0" i="0" u="none" strike="noStrike" cap="none" dirty="0">
-              <a:solidFill>
-                <a:srgbClr val="4FB21E"/>
-              </a:solidFill>
-              <a:sym typeface="Arial"/>
-            </a:endParaRPr>
-          </a:p>
-        </p:txBody>
-      </p:sp>
-      <p:pic>
-        <p:nvPicPr>
-          <p:cNvPr id="4" name="Picture 3"/>
-          <p:cNvPicPr>
-            <a:picLocks noChangeAspect="1"/>
-          </p:cNvPicPr>
-          <p:nvPr/>
-        </p:nvPicPr>
-        <p:blipFill>
-          <a:blip r:embed="rId3">
-            <a:extLst>
-              <a:ext uri="{28A0092B-C50C-407E-A947-70E740481C1C}">
-                <a14:useLocalDpi xmlns:a14="http://schemas.microsoft.com/office/drawing/2010/main" val="0"/>
-              </a:ext>
-            </a:extLst>
-          </a:blip>
-          <a:stretch>
-            <a:fillRect/>
-          </a:stretch>
-        </p:blipFill>
-        <p:spPr>
-          <a:xfrm>
-            <a:off x="6249263" y="1417637"/>
-            <a:ext cx="2524773" cy="4735773"/>
-          </a:xfrm>
-          <a:prstGeom prst="rect">
-            <a:avLst/>
-          </a:prstGeom>
-        </p:spPr>
-      </p:pic>
-      <p:pic>
-        <p:nvPicPr>
-          <p:cNvPr id="2" name="Picture 1"/>
-          <p:cNvPicPr>
-            <a:picLocks noChangeAspect="1"/>
-          </p:cNvPicPr>
-          <p:nvPr/>
-        </p:nvPicPr>
-        <p:blipFill>
-          <a:blip r:embed="rId4">
-            <a:extLst>
-              <a:ext uri="{28A0092B-C50C-407E-A947-70E740481C1C}">
-                <a14:useLocalDpi xmlns:a14="http://schemas.microsoft.com/office/drawing/2010/main" val="0"/>
-              </a:ext>
-            </a:extLst>
-          </a:blip>
-          <a:stretch>
-            <a:fillRect/>
-          </a:stretch>
-        </p:blipFill>
-        <p:spPr>
-          <a:xfrm>
-            <a:off x="457200" y="1417637"/>
-            <a:ext cx="2537548" cy="4735773"/>
-          </a:xfrm>
-          <a:prstGeom prst="rect">
-            <a:avLst/>
-          </a:prstGeom>
-        </p:spPr>
-      </p:pic>
-      <p:pic>
-        <p:nvPicPr>
-          <p:cNvPr id="7" name="Picture 6"/>
-          <p:cNvPicPr>
-            <a:picLocks noChangeAspect="1"/>
-          </p:cNvPicPr>
-          <p:nvPr/>
-        </p:nvPicPr>
-        <p:blipFill>
-          <a:blip r:embed="rId5">
-            <a:extLst>
-              <a:ext uri="{28A0092B-C50C-407E-A947-70E740481C1C}">
-                <a14:useLocalDpi xmlns:a14="http://schemas.microsoft.com/office/drawing/2010/main" val="0"/>
-              </a:ext>
-            </a:extLst>
-          </a:blip>
-          <a:stretch>
-            <a:fillRect/>
-          </a:stretch>
-        </p:blipFill>
-        <p:spPr>
-          <a:xfrm>
-            <a:off x="3362334" y="1417637"/>
-            <a:ext cx="2519343" cy="4735773"/>
-          </a:xfrm>
-          <a:prstGeom prst="rect">
-            <a:avLst/>
-          </a:prstGeom>
-        </p:spPr>
-      </p:pic>
-    </p:spTree>
-    <p:extLst>
-      <p:ext uri="{BB962C8B-B14F-4D97-AF65-F5344CB8AC3E}">
-        <p14:creationId xmlns:p14="http://schemas.microsoft.com/office/powerpoint/2010/main" val="1878609552"/>
-      </p:ext>
-    </p:extLst>
-  </p:cSld>
-  <p:clrMapOvr>
-    <a:masterClrMapping/>
-  </p:clrMapOvr>
-  <mc:AlternateContent xmlns:mc="http://schemas.openxmlformats.org/markup-compatibility/2006" xmlns:p14="http://schemas.microsoft.com/office/powerpoint/2010/main">
-    <mc:Choice Requires="p14">
-      <p:transition spd="med" p14:dur="700">
-        <p:fade/>
-      </p:transition>
-    </mc:Choice>
-    <mc:Fallback xmlns="">
-      <p:transition spd="med">
-        <p:fade/>
-      </p:transition>
-    </mc:Fallback>
-  </mc:AlternateContent>
-  <p:timing>
-    <p:tnLst>
-      <p:par>
-        <p:cTn id="1" dur="indefinite" restart="never" nodeType="tmRoot"/>
-      </p:par>
-    </p:tnLst>
-  </p:timing>
-</p:sld>
-</file>
-
-<file path=ppt/slides/slide11.xml><?xml version="1.0" encoding="utf-8"?>
-<p:sld xmlns:a="http://schemas.openxmlformats.org/drawingml/2006/main" xmlns:r="http://schemas.openxmlformats.org/officeDocument/2006/relationships" xmlns:p="http://schemas.openxmlformats.org/presentationml/2006/main">
-  <p:cSld>
-    <p:spTree>
-      <p:nvGrpSpPr>
         <p:cNvPr id="1" name="Shape 135"/>
         <p:cNvGrpSpPr/>
         <p:nvPr/>
@@ -11996,7 +11558,7 @@
               <a:buChar char="▪"/>
             </a:pPr>
             <a:r>
-              <a:rPr lang="x-none" sz="2400" b="0" i="0" u="none" strike="noStrike" cap="none" dirty="0">
+              <a:rPr lang="x-none" sz="2800" b="0" i="0" u="none" strike="noStrike" cap="none" dirty="0">
                 <a:solidFill>
                   <a:schemeClr val="dk1"/>
                 </a:solidFill>
@@ -12024,7 +11586,7 @@
               <a:buChar char="•"/>
             </a:pPr>
             <a:r>
-              <a:rPr lang="he-IL" sz="2000" b="0" i="0" u="none" strike="noStrike" cap="none" dirty="0" smtClean="0">
+              <a:rPr lang="he-IL" sz="2400" b="0" i="0" u="none" strike="noStrike" cap="none" dirty="0" smtClean="0">
                 <a:solidFill>
                   <a:schemeClr val="dk1"/>
                 </a:solidFill>
@@ -12036,7 +11598,7 @@
               <a:t>מעבר לשרת ומאגר נתונים מרוחקים משימוש ב - </a:t>
             </a:r>
             <a:r>
-              <a:rPr lang="en-US" sz="2000" b="0" i="0" u="none" strike="noStrike" cap="none" dirty="0" err="1" smtClean="0">
+              <a:rPr lang="en-US" sz="2400" b="0" i="0" u="none" strike="noStrike" cap="none" dirty="0" err="1" smtClean="0">
                 <a:solidFill>
                   <a:schemeClr val="dk1"/>
                 </a:solidFill>
@@ -12048,7 +11610,7 @@
               <a:t>sqLite</a:t>
             </a:r>
             <a:r>
-              <a:rPr lang="he-IL" sz="2000" b="0" i="0" u="none" strike="noStrike" cap="none" dirty="0" smtClean="0">
+              <a:rPr lang="he-IL" sz="2400" b="0" i="0" u="none" strike="noStrike" cap="none" dirty="0" smtClean="0">
                 <a:solidFill>
                   <a:schemeClr val="dk1"/>
                 </a:solidFill>
@@ -12076,7 +11638,7 @@
               <a:buChar char="•"/>
             </a:pPr>
             <a:r>
-              <a:rPr lang="he-IL" sz="2000" b="0" i="0" u="none" strike="noStrike" cap="none" dirty="0" smtClean="0">
+              <a:rPr lang="he-IL" sz="2400" b="0" i="0" u="none" strike="noStrike" cap="none" dirty="0" smtClean="0">
                 <a:solidFill>
                   <a:schemeClr val="dk1"/>
                 </a:solidFill>
@@ -12085,86 +11647,8 @@
                 <a:cs typeface="Arial"/>
                 <a:sym typeface="Arial"/>
               </a:rPr>
-              <a:t>הפעלת הודעות תכיפה בהוספת מתכון חדש למערכת.</a:t>
+              <a:t>הפעלת הודעות </a:t>
             </a:r>
-            <a:endParaRPr lang="x-none" sz="2000" b="0" i="0" u="none" strike="noStrike" cap="none" dirty="0">
-              <a:solidFill>
-                <a:schemeClr val="dk1"/>
-              </a:solidFill>
-              <a:latin typeface="Arial"/>
-              <a:ea typeface="Arial"/>
-              <a:cs typeface="Arial"/>
-              <a:sym typeface="Arial"/>
-            </a:endParaRPr>
-          </a:p>
-          <a:p>
-            <a:pPr marL="457200" marR="0" lvl="1" indent="0" algn="r" rtl="1">
-              <a:spcBef>
-                <a:spcPts val="400"/>
-              </a:spcBef>
-              <a:spcAft>
-                <a:spcPts val="0"/>
-              </a:spcAft>
-              <a:buClr>
-                <a:srgbClr val="4FB21E"/>
-              </a:buClr>
-              <a:buSzPct val="25000"/>
-              <a:buFont typeface="Arial"/>
-              <a:buNone/>
-            </a:pPr>
-            <a:endParaRPr sz="2000" b="0" i="0" u="none" strike="noStrike" cap="none" dirty="0">
-              <a:solidFill>
-                <a:schemeClr val="dk1"/>
-              </a:solidFill>
-              <a:latin typeface="Arial"/>
-              <a:ea typeface="Arial"/>
-              <a:cs typeface="Arial"/>
-              <a:sym typeface="Arial"/>
-            </a:endParaRPr>
-          </a:p>
-          <a:p>
-            <a:pPr marL="342900" marR="0" lvl="0" indent="-342900" algn="r" rtl="1">
-              <a:spcBef>
-                <a:spcPts val="480"/>
-              </a:spcBef>
-              <a:spcAft>
-                <a:spcPts val="0"/>
-              </a:spcAft>
-              <a:buClr>
-                <a:srgbClr val="4FB21E"/>
-              </a:buClr>
-              <a:buSzPct val="100000"/>
-              <a:buFont typeface="Noto Sans Symbols"/>
-              <a:buChar char="▪"/>
-            </a:pPr>
-            <a:r>
-              <a:rPr lang="x-none" sz="2400" b="0" i="0" u="none" strike="noStrike" cap="none" dirty="0">
-                <a:solidFill>
-                  <a:schemeClr val="dk1"/>
-                </a:solidFill>
-                <a:latin typeface="Arial"/>
-                <a:ea typeface="Arial"/>
-                <a:cs typeface="Arial"/>
-                <a:sym typeface="Arial"/>
-              </a:rPr>
-              <a:t>שיפורים עתידיים:</a:t>
-            </a:r>
-          </a:p>
-          <a:p>
-            <a:pPr marL="514350" marR="0" lvl="0" indent="-514350" algn="r" rtl="1">
-              <a:spcBef>
-                <a:spcPts val="480"/>
-              </a:spcBef>
-              <a:spcAft>
-                <a:spcPts val="0"/>
-              </a:spcAft>
-              <a:buClr>
-                <a:srgbClr val="4FB21E"/>
-              </a:buClr>
-              <a:buSzPct val="100000"/>
-              <a:buFont typeface="Noto Sans Symbols"/>
-              <a:buAutoNum type="arabicPeriod"/>
-            </a:pPr>
             <a:r>
               <a:rPr lang="he-IL" sz="2400" b="0" i="0" u="none" strike="noStrike" cap="none" dirty="0" smtClean="0">
                 <a:solidFill>
@@ -12175,10 +11659,10 @@
                 <a:cs typeface="Arial"/>
                 <a:sym typeface="Arial"/>
               </a:rPr>
-              <a:t>יצירת אפליקצייה זהה למערכת </a:t>
+              <a:t>דחיפה </a:t>
             </a:r>
             <a:r>
-              <a:rPr lang="en-US" sz="2400" b="0" i="0" u="none" strike="noStrike" cap="none" dirty="0" smtClean="0">
+              <a:rPr lang="he-IL" sz="2400" b="0" i="0" u="none" strike="noStrike" cap="none" dirty="0" smtClean="0">
                 <a:solidFill>
                   <a:schemeClr val="dk1"/>
                 </a:solidFill>
@@ -12187,19 +11671,7 @@
                 <a:cs typeface="Arial"/>
                 <a:sym typeface="Arial"/>
               </a:rPr>
-              <a:t>iOS</a:t>
-            </a:r>
-            <a:r>
-              <a:rPr lang="x-none" sz="2400" b="0" i="0" u="none" strike="noStrike" cap="none" dirty="0" smtClean="0">
-                <a:solidFill>
-                  <a:schemeClr val="dk1"/>
-                </a:solidFill>
-                <a:latin typeface="Arial"/>
-                <a:ea typeface="Arial"/>
-                <a:cs typeface="Arial"/>
-                <a:sym typeface="Arial"/>
-              </a:rPr>
-              <a:t>.</a:t>
+              <a:t>בהוספת מתכון חדש למערכת.</a:t>
             </a:r>
             <a:endParaRPr lang="x-none" sz="2400" b="0" i="0" u="none" strike="noStrike" cap="none" dirty="0">
               <a:solidFill>
@@ -12212,9 +11684,9 @@
             </a:endParaRPr>
           </a:p>
           <a:p>
-            <a:pPr marL="514350" marR="0" lvl="0" indent="-514350" algn="r" rtl="1">
-              <a:spcBef>
-                <a:spcPts val="480"/>
+            <a:pPr marL="457200" marR="0" lvl="1" indent="0" algn="r" rtl="1">
+              <a:spcBef>
+                <a:spcPts val="400"/>
               </a:spcBef>
               <a:spcAft>
                 <a:spcPts val="0"/>
@@ -12222,43 +11694,11 @@
               <a:buClr>
                 <a:srgbClr val="4FB21E"/>
               </a:buClr>
-              <a:buSzPct val="100000"/>
-              <a:buFont typeface="Noto Sans Symbols"/>
-              <a:buAutoNum type="arabicPeriod"/>
+              <a:buSzPct val="25000"/>
+              <a:buFont typeface="Arial"/>
+              <a:buNone/>
             </a:pPr>
-            <a:r>
-              <a:rPr lang="he-IL" sz="2400" b="0" i="0" u="none" strike="noStrike" cap="none" dirty="0" smtClean="0">
-                <a:solidFill>
-                  <a:schemeClr val="dk1"/>
-                </a:solidFill>
-                <a:latin typeface="Arial"/>
-                <a:ea typeface="Arial"/>
-                <a:cs typeface="Arial"/>
-                <a:sym typeface="Arial"/>
-              </a:rPr>
-              <a:t>יצירת מערכת שיתוף מתכונים בין משתמשי האפליקציה.</a:t>
-            </a:r>
-          </a:p>
-          <a:p>
-            <a:pPr marL="514350" marR="0" lvl="0" indent="-514350" algn="r" rtl="1">
-              <a:spcBef>
-                <a:spcPts val="480"/>
-              </a:spcBef>
-              <a:spcAft>
-                <a:spcPts val="0"/>
-              </a:spcAft>
-              <a:buClr>
-                <a:srgbClr val="4FB21E"/>
-              </a:buClr>
-              <a:buSzPct val="100000"/>
-              <a:buFont typeface="Noto Sans Symbols"/>
-              <a:buAutoNum type="arabicPeriod"/>
-            </a:pPr>
-            <a:r>
-              <a:rPr lang="he-IL" sz="2400" smtClean="0"/>
-              <a:t>יצירת מערכת תגובות למתכונים.</a:t>
-            </a:r>
-            <a:endParaRPr lang="x-none" sz="2400" b="0" i="0" u="none" strike="noStrike" cap="none" dirty="0">
+            <a:endParaRPr sz="2400" b="0" i="0" u="none" strike="noStrike" cap="none" dirty="0">
               <a:solidFill>
                 <a:schemeClr val="dk1"/>
               </a:solidFill>
@@ -12269,6 +11709,77 @@
             </a:endParaRPr>
           </a:p>
           <a:p>
+            <a:pPr marL="342900" marR="0" lvl="0" indent="-342900" algn="r" rtl="1">
+              <a:spcBef>
+                <a:spcPts val="480"/>
+              </a:spcBef>
+              <a:spcAft>
+                <a:spcPts val="0"/>
+              </a:spcAft>
+              <a:buClr>
+                <a:srgbClr val="4FB21E"/>
+              </a:buClr>
+              <a:buSzPct val="100000"/>
+              <a:buFont typeface="Noto Sans Symbols"/>
+              <a:buChar char="▪"/>
+            </a:pPr>
+            <a:r>
+              <a:rPr lang="x-none" sz="2800" b="0" i="0" u="none" strike="noStrike" cap="none" dirty="0">
+                <a:solidFill>
+                  <a:schemeClr val="dk1"/>
+                </a:solidFill>
+                <a:latin typeface="Arial"/>
+                <a:ea typeface="Arial"/>
+                <a:cs typeface="Arial"/>
+                <a:sym typeface="Arial"/>
+              </a:rPr>
+              <a:t>שיפורים עתידיים:</a:t>
+            </a:r>
+          </a:p>
+          <a:p>
+            <a:pPr lvl="1" indent="-342900">
+              <a:spcBef>
+                <a:spcPts val="480"/>
+              </a:spcBef>
+            </a:pPr>
+            <a:r>
+              <a:rPr lang="he-IL" sz="2400" dirty="0"/>
+              <a:t>יצירת אפליקצייה זהה למערכת </a:t>
+            </a:r>
+            <a:r>
+              <a:rPr lang="en-US" sz="2400" dirty="0"/>
+              <a:t>iOS</a:t>
+            </a:r>
+            <a:r>
+              <a:rPr lang="x-none" sz="2400" dirty="0"/>
+              <a:t>.</a:t>
+            </a:r>
+            <a:endParaRPr lang="x-none" sz="2400" dirty="0"/>
+          </a:p>
+          <a:p>
+            <a:pPr lvl="1" indent="-342900">
+              <a:spcBef>
+                <a:spcPts val="480"/>
+              </a:spcBef>
+            </a:pPr>
+            <a:r>
+              <a:rPr lang="he-IL" sz="2400" dirty="0"/>
+              <a:t>יצירת מערכת שיתוף מתכונים בין משתמשי האפליקציה.</a:t>
+            </a:r>
+          </a:p>
+          <a:p>
+            <a:pPr lvl="1" indent="-342900">
+              <a:spcBef>
+                <a:spcPts val="480"/>
+              </a:spcBef>
+            </a:pPr>
+            <a:r>
+              <a:rPr lang="he-IL" sz="2400" dirty="0"/>
+              <a:t>יצירת מערכת תגובות למתכונים.</a:t>
+            </a:r>
+            <a:endParaRPr lang="x-none" sz="2400" dirty="0"/>
+          </a:p>
+          <a:p>
             <a:pPr marL="0" marR="0" lvl="0" indent="0" algn="r" rtl="1">
               <a:spcBef>
                 <a:spcPts val="480"/>
@@ -12283,7 +11794,7 @@
               <a:buFont typeface="Noto Sans Symbols"/>
               <a:buNone/>
             </a:pPr>
-            <a:endParaRPr sz="2400" b="0" i="0" u="none" strike="noStrike" cap="none" dirty="0">
+            <a:endParaRPr sz="2800" b="0" i="0" u="none" strike="noStrike" cap="none" dirty="0">
               <a:solidFill>
                 <a:schemeClr val="dk1"/>
               </a:solidFill>
@@ -12322,7 +11833,7 @@
 </p:sld>
 </file>
 
-<file path=ppt/slides/slide12.xml><?xml version="1.0" encoding="utf-8"?>
+<file path=ppt/slides/slide11.xml><?xml version="1.0" encoding="utf-8"?>
 <p:sld xmlns:a="http://schemas.openxmlformats.org/drawingml/2006/main" xmlns:r="http://schemas.openxmlformats.org/officeDocument/2006/relationships" xmlns:p="http://schemas.openxmlformats.org/presentationml/2006/main">
   <p:cSld>
     <p:spTree>
@@ -12437,13 +11948,10 @@
               <a:buChar char="▪"/>
             </a:pPr>
             <a:r>
-              <a:rPr lang="x-none" sz="2000" b="0" i="0" u="none" strike="noStrike" cap="none">
-                <a:solidFill>
-                  <a:schemeClr val="dk1"/>
-                </a:solidFill>
-                <a:latin typeface="Arial"/>
-                <a:ea typeface="Arial"/>
-                <a:cs typeface="Arial"/>
+              <a:rPr lang="x-none" sz="2800" b="0" i="0" u="none" strike="noStrike" cap="none" dirty="0">
+                <a:solidFill>
+                  <a:schemeClr val="dk1"/>
+                </a:solidFill>
                 <a:sym typeface="Arial"/>
               </a:rPr>
               <a:t>האפליקציה שנוצרה משיגה את המטרות שהוצגו בהגדרת הפרויקט.</a:t>
@@ -12464,13 +11972,10 @@
               <a:buFont typeface="Noto Sans Symbols"/>
               <a:buNone/>
             </a:pPr>
-            <a:endParaRPr sz="2000" b="0" i="0" u="none" strike="noStrike" cap="none">
+            <a:endParaRPr sz="2800" b="0" i="0" u="none" strike="noStrike" cap="none" dirty="0">
               <a:solidFill>
                 <a:schemeClr val="dk1"/>
               </a:solidFill>
-              <a:latin typeface="Arial"/>
-              <a:ea typeface="Arial"/>
-              <a:cs typeface="Arial"/>
               <a:sym typeface="Arial"/>
             </a:endParaRPr>
           </a:p>
@@ -12490,45 +11995,68 @@
               <a:buChar char="▪"/>
             </a:pPr>
             <a:r>
-              <a:rPr lang="x-none" sz="2000" b="0" i="0" u="none" strike="noStrike" cap="none">
-                <a:solidFill>
-                  <a:schemeClr val="dk1"/>
-                </a:solidFill>
-                <a:latin typeface="Arial"/>
-                <a:ea typeface="Arial"/>
-                <a:cs typeface="Arial"/>
+              <a:rPr lang="x-none" sz="2800" b="0" i="0" u="none" strike="noStrike" cap="none" dirty="0">
+                <a:solidFill>
+                  <a:schemeClr val="dk1"/>
+                </a:solidFill>
                 <a:sym typeface="Arial"/>
               </a:rPr>
-              <a:t>תכנון ופיתוח הפרוייקט היווה תהליך מורכב ומאתגר, הפרוייקט דרש פגישות, תכנון , מחקר , פיתוח ועיצוב המוצר הסופי.</a:t>
+              <a:t>תכנון ופיתוח הפרוייקט היווה תהליך מורכב ומאתגר, הפרוייקט </a:t>
             </a:r>
-          </a:p>
-          <a:p>
-            <a:pPr marL="342900" marR="0" lvl="0" indent="-342900" algn="r" rtl="1">
-              <a:spcBef>
-                <a:spcPts val="400"/>
-              </a:spcBef>
-              <a:spcAft>
-                <a:spcPts val="0"/>
-              </a:spcAft>
-              <a:buClr>
-                <a:srgbClr val="4FB21E"/>
-              </a:buClr>
-              <a:buSzPct val="100000"/>
-              <a:buFont typeface="Noto Sans Symbols"/>
-              <a:buNone/>
-            </a:pPr>
-            <a:endParaRPr sz="2000" b="0" i="0" u="none" strike="noStrike" cap="none">
+            <a:r>
+              <a:rPr lang="x-none" sz="2800" b="0" i="0" u="none" strike="noStrike" cap="none" dirty="0" smtClean="0">
+                <a:solidFill>
+                  <a:schemeClr val="dk1"/>
+                </a:solidFill>
+                <a:sym typeface="Arial"/>
+              </a:rPr>
+              <a:t>דרש</a:t>
+            </a:r>
+            <a:r>
+              <a:rPr lang="he-IL" sz="2800" b="0" i="0" u="none" strike="noStrike" cap="none" dirty="0" smtClean="0">
+                <a:solidFill>
+                  <a:schemeClr val="dk1"/>
+                </a:solidFill>
+                <a:sym typeface="Arial"/>
+              </a:rPr>
+              <a:t> </a:t>
+            </a:r>
+            <a:r>
+              <a:rPr lang="x-none" sz="2800" b="0" i="0" u="none" strike="noStrike" cap="none" dirty="0" smtClean="0">
+                <a:solidFill>
+                  <a:schemeClr val="dk1"/>
+                </a:solidFill>
+                <a:sym typeface="Arial"/>
+              </a:rPr>
+              <a:t>תכנון </a:t>
+            </a:r>
+            <a:r>
+              <a:rPr lang="x-none" sz="2800" b="0" i="0" u="none" strike="noStrike" cap="none" dirty="0">
+                <a:solidFill>
+                  <a:schemeClr val="dk1"/>
+                </a:solidFill>
+                <a:sym typeface="Arial"/>
+              </a:rPr>
+              <a:t>, מחקר , פיתוח ועיצוב המוצר הסופי</a:t>
+            </a:r>
+            <a:r>
+              <a:rPr lang="x-none" sz="2800" b="0" i="0" u="none" strike="noStrike" cap="none" dirty="0" smtClean="0">
+                <a:solidFill>
+                  <a:schemeClr val="dk1"/>
+                </a:solidFill>
+                <a:sym typeface="Arial"/>
+              </a:rPr>
+              <a:t>.</a:t>
+            </a:r>
+            <a:endParaRPr lang="he-IL" sz="2800" b="0" i="0" u="none" strike="noStrike" cap="none" dirty="0" smtClean="0">
               <a:solidFill>
                 <a:schemeClr val="dk1"/>
               </a:solidFill>
-              <a:latin typeface="Arial"/>
-              <a:ea typeface="Arial"/>
-              <a:cs typeface="Arial"/>
               <a:sym typeface="Arial"/>
             </a:endParaRPr>
           </a:p>
           <a:p>
-            <a:pPr marL="342900" marR="0" lvl="0" indent="-342900" algn="r" rtl="1">
+            <a:pPr marL="0" marR="0" lvl="0" indent="0" algn="r" rtl="1">
               <a:spcBef>
                 <a:spcPts val="400"/>
               </a:spcBef>
@@ -12539,23 +12067,73 @@
                 <a:srgbClr val="4FB21E"/>
               </a:buClr>
               <a:buSzPct val="100000"/>
+              <a:buNone/>
+            </a:pPr>
+            <a:endParaRPr sz="2800" b="0" i="0" u="none" strike="noStrike" cap="none" dirty="0">
+              <a:solidFill>
+                <a:schemeClr val="dk1"/>
+              </a:solidFill>
+              <a:sym typeface="Arial"/>
+            </a:endParaRPr>
+          </a:p>
+          <a:p>
+            <a:pPr marL="342900" lvl="2" indent="-342900">
+              <a:spcBef>
+                <a:spcPts val="400"/>
+              </a:spcBef>
               <a:buFont typeface="Noto Sans Symbols"/>
               <a:buChar char="▪"/>
             </a:pPr>
             <a:r>
-              <a:rPr lang="x-none" sz="2000" b="0" i="0" u="none" strike="noStrike" cap="none">
-                <a:solidFill>
-                  <a:schemeClr val="dk1"/>
-                </a:solidFill>
-                <a:latin typeface="Arial"/>
-                <a:ea typeface="Arial"/>
-                <a:cs typeface="Arial"/>
-                <a:sym typeface="Arial"/>
-              </a:rPr>
-              <a:t>הטמעת גוגל אנליטיקס במוצר בעולם המובייל הוא נדרש והכרחי, הכלי מאפשר קבלת מידע על כמות ואיכות השימוש, מידע על אירועי שגיאה וקריסות.</a:t>
+              <a:rPr lang="he-IL" sz="2800" dirty="0"/>
+              <a:t>שימוש ב - </a:t>
+            </a:r>
+            <a:r>
+              <a:rPr lang="en-US" sz="2800" dirty="0"/>
+              <a:t>Version control </a:t>
+            </a:r>
+            <a:r>
+              <a:rPr lang="en-US" sz="2800" dirty="0" err="1"/>
+              <a:t>GitHUB</a:t>
+            </a:r>
+            <a:r>
+              <a:rPr lang="en-US" sz="2800" dirty="0"/>
+              <a:t> </a:t>
+            </a:r>
+            <a:r>
+              <a:rPr lang="he-IL" sz="2800" dirty="0" smtClean="0"/>
+              <a:t> בהחלט </a:t>
+            </a:r>
+            <a:r>
+              <a:rPr lang="he-IL" sz="2800" dirty="0"/>
+              <a:t>עזר למימוש </a:t>
+            </a:r>
+            <a:r>
+              <a:rPr lang="he-IL" sz="2800" dirty="0" smtClean="0"/>
+              <a:t>הפרויקט.</a:t>
             </a:r>
           </a:p>
           <a:p>
+            <a:pPr marL="342900" lvl="2" indent="-342900">
+              <a:spcBef>
+                <a:spcPts val="400"/>
+              </a:spcBef>
+              <a:buFont typeface="Noto Sans Symbols"/>
+              <a:buChar char="▪"/>
+            </a:pPr>
+            <a:endParaRPr lang="he-IL" sz="2800" dirty="0"/>
+          </a:p>
+          <a:p>
+            <a:pPr marL="342900" lvl="2" indent="-342900">
+              <a:spcBef>
+                <a:spcPts val="400"/>
+              </a:spcBef>
+              <a:buFont typeface="Noto Sans Symbols"/>
+              <a:buChar char="▪"/>
+            </a:pPr>
+            <a:endParaRPr lang="he-IL" sz="2800" dirty="0"/>
+          </a:p>
+          <a:p>
             <a:pPr marL="342900" marR="0" lvl="2" indent="-342900" algn="r" rtl="1">
               <a:spcBef>
                 <a:spcPts val="400"/>
@@ -12570,96 +12148,12 @@
               <a:buFont typeface="Noto Sans Symbols"/>
               <a:buNone/>
             </a:pPr>
-            <a:endParaRPr sz="2000" b="0" i="0" u="none" strike="noStrike" cap="none">
+            <a:endParaRPr sz="2800" b="0" i="0" u="none" strike="noStrike" cap="none" dirty="0">
               <a:solidFill>
                 <a:schemeClr val="dk1"/>
               </a:solidFill>
-              <a:latin typeface="Arial"/>
-              <a:ea typeface="Arial"/>
-              <a:cs typeface="Arial"/>
               <a:sym typeface="Arial"/>
             </a:endParaRPr>
-          </a:p>
-          <a:p>
-            <a:pPr marL="342900" marR="0" lvl="2" indent="-342900" algn="r" rtl="1">
-              <a:spcBef>
-                <a:spcPts val="400"/>
-              </a:spcBef>
-              <a:spcAft>
-                <a:spcPts val="0"/>
-              </a:spcAft>
-              <a:buClr>
-                <a:srgbClr val="4FB21E"/>
-              </a:buClr>
-              <a:buSzPct val="100000"/>
-              <a:buFont typeface="Noto Sans Symbols"/>
-              <a:buChar char="▪"/>
-            </a:pPr>
-            <a:r>
-              <a:rPr lang="x-none" sz="2000" b="0" i="0" u="none" strike="noStrike" cap="none">
-                <a:solidFill>
-                  <a:schemeClr val="dk1"/>
-                </a:solidFill>
-                <a:latin typeface="Arial"/>
-                <a:ea typeface="Arial"/>
-                <a:cs typeface="Arial"/>
-                <a:sym typeface="Arial"/>
-              </a:rPr>
-              <a:t>שימוש בשרת לניהול קוד, GIT/ SVN – הכרחי בפרוייקט גמר בעולם התוכנה.</a:t>
-            </a:r>
-          </a:p>
-          <a:p>
-            <a:pPr marL="342900" marR="0" lvl="2" indent="-342900" algn="r" rtl="1">
-              <a:spcBef>
-                <a:spcPts val="400"/>
-              </a:spcBef>
-              <a:spcAft>
-                <a:spcPts val="0"/>
-              </a:spcAft>
-              <a:buClr>
-                <a:srgbClr val="4FB21E"/>
-              </a:buClr>
-              <a:buSzPct val="100000"/>
-              <a:buFont typeface="Noto Sans Symbols"/>
-              <a:buNone/>
-            </a:pPr>
-            <a:endParaRPr sz="2000" b="0" i="0" u="none" strike="noStrike" cap="none">
-              <a:solidFill>
-                <a:schemeClr val="dk1"/>
-              </a:solidFill>
-              <a:latin typeface="Arial"/>
-              <a:ea typeface="Arial"/>
-              <a:cs typeface="Arial"/>
-              <a:sym typeface="Arial"/>
-            </a:endParaRPr>
-          </a:p>
-          <a:p>
-            <a:pPr marL="342900" marR="0" lvl="0" indent="-342900" algn="r" rtl="1">
-              <a:spcBef>
-                <a:spcPts val="400"/>
-              </a:spcBef>
-              <a:spcAft>
-                <a:spcPts val="0"/>
-              </a:spcAft>
-              <a:buClr>
-                <a:srgbClr val="4FB21E"/>
-              </a:buClr>
-              <a:buSzPct val="100000"/>
-              <a:buFont typeface="Noto Sans Symbols"/>
-              <a:buChar char="▪"/>
-            </a:pPr>
-            <a:r>
-              <a:rPr lang="x-none" sz="2000" b="0" i="0" u="none" strike="noStrike" cap="none">
-                <a:solidFill>
-                  <a:schemeClr val="dk1"/>
-                </a:solidFill>
-                <a:latin typeface="Arial"/>
-                <a:ea typeface="Arial"/>
-                <a:cs typeface="Arial"/>
-                <a:sym typeface="Arial"/>
-              </a:rPr>
-              <a:t>עבודה עם מנחה מקצועי ובעל מוטיבציה תרמה רבות לתכנון וביצוע הפרוייקט גמר.</a:t>
-            </a:r>
           </a:p>
         </p:txBody>
       </p:sp>
@@ -12690,155 +12184,7 @@
 </p:sld>
 </file>
 
-<file path=ppt/slides/slide13.xml><?xml version="1.0" encoding="utf-8"?>
-<p:sld xmlns:a="http://schemas.openxmlformats.org/drawingml/2006/main" xmlns:r="http://schemas.openxmlformats.org/officeDocument/2006/relationships" xmlns:p="http://schemas.openxmlformats.org/presentationml/2006/main">
-  <p:cSld>
-    <p:spTree>
-      <p:nvGrpSpPr>
-        <p:cNvPr id="1" name="Shape 147"/>
-        <p:cNvGrpSpPr/>
-        <p:nvPr/>
-      </p:nvGrpSpPr>
-      <p:grpSpPr>
-        <a:xfrm>
-          <a:off x="0" y="0"/>
-          <a:ext cx="0" cy="0"/>
-          <a:chOff x="0" y="0"/>
-          <a:chExt cx="0" cy="0"/>
-        </a:xfrm>
-      </p:grpSpPr>
-      <p:sp>
-        <p:nvSpPr>
-          <p:cNvPr id="148" name="Shape 148"/>
-          <p:cNvSpPr txBox="1">
-            <a:spLocks noGrp="1"/>
-          </p:cNvSpPr>
-          <p:nvPr>
-            <p:ph type="title"/>
-          </p:nvPr>
-        </p:nvSpPr>
-        <p:spPr>
-          <a:xfrm>
-            <a:off x="457200" y="274637"/>
-            <a:ext cx="8329612" cy="1143000"/>
-          </a:xfrm>
-          <a:prstGeom prst="rect">
-            <a:avLst/>
-          </a:prstGeom>
-          <a:noFill/>
-          <a:ln>
-            <a:noFill/>
-          </a:ln>
-        </p:spPr>
-        <p:txBody>
-          <a:bodyPr lIns="91425" tIns="45700" rIns="91425" bIns="45700" anchor="ctr" anchorCtr="0">
-            <a:noAutofit/>
-          </a:bodyPr>
-          <a:lstStyle/>
-          <a:p>
-            <a:pPr marL="0" marR="0" lvl="0" indent="0" algn="ctr" rtl="1">
-              <a:spcBef>
-                <a:spcPts val="0"/>
-              </a:spcBef>
-              <a:spcAft>
-                <a:spcPts val="0"/>
-              </a:spcAft>
-              <a:buSzPct val="25000"/>
-              <a:buNone/>
-            </a:pPr>
-            <a:r>
-              <a:rPr lang="x-none" sz="4400" b="0" i="0" u="none" strike="noStrike" cap="none">
-                <a:solidFill>
-                  <a:srgbClr val="4FB21E"/>
-                </a:solidFill>
-                <a:latin typeface="Arial"/>
-                <a:ea typeface="Arial"/>
-                <a:cs typeface="Arial"/>
-                <a:sym typeface="Arial"/>
-              </a:rPr>
-              <a:t>סיכום ומסקנות – דוח שימוש</a:t>
-            </a:r>
-            <a:br>
-              <a:rPr lang="x-none" sz="4400" b="0" i="0" u="none" strike="noStrike" cap="none">
-                <a:solidFill>
-                  <a:srgbClr val="4FB21E"/>
-                </a:solidFill>
-                <a:latin typeface="Arial"/>
-                <a:ea typeface="Arial"/>
-                <a:cs typeface="Arial"/>
-                <a:sym typeface="Arial"/>
-              </a:rPr>
-            </a:br>
-            <a:r>
-              <a:rPr lang="x-none" sz="4400" b="0" i="0" u="none" strike="noStrike" cap="none">
-                <a:solidFill>
-                  <a:srgbClr val="4FB21E"/>
-                </a:solidFill>
-                <a:latin typeface="Arial"/>
-                <a:ea typeface="Arial"/>
-                <a:cs typeface="Arial"/>
-                <a:sym typeface="Arial"/>
-              </a:rPr>
-              <a:t>צפיות במסכים</a:t>
-            </a:r>
-          </a:p>
-        </p:txBody>
-      </p:sp>
-      <p:pic>
-        <p:nvPicPr>
-          <p:cNvPr id="149" name="Shape 149"/>
-          <p:cNvPicPr preferRelativeResize="0"/>
-          <p:nvPr/>
-        </p:nvPicPr>
-        <p:blipFill rotWithShape="1">
-          <a:blip r:embed="rId3">
-            <a:alphaModFix/>
-          </a:blip>
-          <a:srcRect/>
-          <a:stretch/>
-        </p:blipFill>
-        <p:spPr>
-          <a:xfrm>
-            <a:off x="899591" y="1484783"/>
-            <a:ext cx="7343775" cy="4014788"/>
-          </a:xfrm>
-          <a:prstGeom prst="rect">
-            <a:avLst/>
-          </a:prstGeom>
-          <a:noFill/>
-          <a:ln>
-            <a:noFill/>
-          </a:ln>
-        </p:spPr>
-      </p:pic>
-    </p:spTree>
-  </p:cSld>
-  <p:clrMapOvr>
-    <a:masterClrMapping/>
-  </p:clrMapOvr>
-  <mc:AlternateContent xmlns:mc="http://schemas.openxmlformats.org/markup-compatibility/2006" xmlns:p14="http://schemas.microsoft.com/office/powerpoint/2010/main">
-    <mc:Choice Requires="p14">
-      <p:transition spd="med" p14:dur="700">
-        <p:fade/>
-      </p:transition>
-    </mc:Choice>
-    <mc:Fallback xmlns="">
-      <p:transition spd="med">
-        <p:fade/>
-      </p:transition>
-    </mc:Fallback>
-  </mc:AlternateContent>
-  <p:timing>
-    <p:tnLst>
-      <p:par>
-        <p:cTn id="1" dur="indefinite" restart="never" nodeType="tmRoot"/>
-      </p:par>
-    </p:tnLst>
-  </p:timing>
-</p:sld>
-</file>
-
-<file path=ppt/slides/slide14.xml><?xml version="1.0" encoding="utf-8"?>
+<file path=ppt/slides/slide12.xml><?xml version="1.0" encoding="utf-8"?>
 <p:sld xmlns:a="http://schemas.openxmlformats.org/drawingml/2006/main" xmlns:r="http://schemas.openxmlformats.org/officeDocument/2006/relationships" xmlns:p="http://schemas.openxmlformats.org/presentationml/2006/main">
   <p:cSld>
     <p:spTree>
@@ -13468,15 +12814,15 @@
             </a:r>
             <a:r>
               <a:rPr lang="he-IL" sz="2400" dirty="0" smtClean="0"/>
-              <a:t>משתמש אחר (</a:t>
-            </a:r>
-            <a:r>
-              <a:rPr lang="he-IL" sz="2400" dirty="0"/>
-              <a:t>לא המשתמש המחובר) </a:t>
+              <a:t>משתמש </a:t>
             </a:r>
             <a:r>
               <a:rPr lang="he-IL" sz="2400" dirty="0" smtClean="0"/>
-              <a:t>יצר מתכון</a:t>
+              <a:t>כלשהו יצר </a:t>
+            </a:r>
+            <a:r>
+              <a:rPr lang="he-IL" sz="2400" dirty="0" smtClean="0"/>
+              <a:t>מתכון</a:t>
             </a:r>
             <a:r>
               <a:rPr lang="x-none" sz="2400" dirty="0" smtClean="0"/>
@@ -13546,154 +12892,6 @@
   <p:cSld>
     <p:spTree>
       <p:nvGrpSpPr>
-        <p:cNvPr id="1" name="Shape 92"/>
-        <p:cNvGrpSpPr/>
-        <p:nvPr/>
-      </p:nvGrpSpPr>
-      <p:grpSpPr>
-        <a:xfrm>
-          <a:off x="0" y="0"/>
-          <a:ext cx="0" cy="0"/>
-          <a:chOff x="0" y="0"/>
-          <a:chExt cx="0" cy="0"/>
-        </a:xfrm>
-      </p:grpSpPr>
-      <p:sp>
-        <p:nvSpPr>
-          <p:cNvPr id="93" name="Shape 93"/>
-          <p:cNvSpPr txBox="1">
-            <a:spLocks noGrp="1"/>
-          </p:cNvSpPr>
-          <p:nvPr>
-            <p:ph type="title"/>
-          </p:nvPr>
-        </p:nvSpPr>
-        <p:spPr>
-          <a:xfrm>
-            <a:off x="457200" y="274637"/>
-            <a:ext cx="8329612" cy="1143000"/>
-          </a:xfrm>
-          <a:prstGeom prst="rect">
-            <a:avLst/>
-          </a:prstGeom>
-          <a:noFill/>
-          <a:ln>
-            <a:noFill/>
-          </a:ln>
-        </p:spPr>
-        <p:txBody>
-          <a:bodyPr lIns="91425" tIns="45700" rIns="91425" bIns="45700" anchor="ctr" anchorCtr="0">
-            <a:noAutofit/>
-          </a:bodyPr>
-          <a:lstStyle/>
-          <a:p>
-            <a:pPr marL="0" marR="0" lvl="0" indent="0" algn="ctr" rtl="1">
-              <a:spcBef>
-                <a:spcPts val="0"/>
-              </a:spcBef>
-              <a:spcAft>
-                <a:spcPts val="0"/>
-              </a:spcAft>
-              <a:buSzPct val="25000"/>
-              <a:buNone/>
-            </a:pPr>
-            <a:r>
-              <a:rPr lang="x-none" sz="4400" b="0" i="0" u="none" strike="noStrike" cap="none">
-                <a:solidFill>
-                  <a:srgbClr val="4FB21E"/>
-                </a:solidFill>
-                <a:latin typeface="Arial"/>
-                <a:ea typeface="Arial"/>
-                <a:cs typeface="Arial"/>
-                <a:sym typeface="Arial"/>
-              </a:rPr>
-              <a:t>מצב קיים ומתחרים</a:t>
-            </a:r>
-          </a:p>
-        </p:txBody>
-      </p:sp>
-      <p:sp>
-        <p:nvSpPr>
-          <p:cNvPr id="94" name="Shape 94"/>
-          <p:cNvSpPr txBox="1">
-            <a:spLocks noGrp="1"/>
-          </p:cNvSpPr>
-          <p:nvPr>
-            <p:ph type="body" idx="1"/>
-          </p:nvPr>
-        </p:nvSpPr>
-        <p:spPr>
-          <a:xfrm>
-            <a:off x="457200" y="1600200"/>
-            <a:ext cx="8329612" cy="4525963"/>
-          </a:xfrm>
-          <a:prstGeom prst="rect">
-            <a:avLst/>
-          </a:prstGeom>
-          <a:noFill/>
-          <a:ln>
-            <a:noFill/>
-          </a:ln>
-        </p:spPr>
-        <p:txBody>
-          <a:bodyPr lIns="91425" tIns="45700" rIns="91425" bIns="45700" anchor="t" anchorCtr="0">
-            <a:noAutofit/>
-          </a:bodyPr>
-          <a:lstStyle/>
-          <a:p>
-            <a:pPr marL="0" marR="0" lvl="0" indent="0" algn="r" rtl="1">
-              <a:spcBef>
-                <a:spcPts val="480"/>
-              </a:spcBef>
-              <a:spcAft>
-                <a:spcPts val="0"/>
-              </a:spcAft>
-              <a:buClr>
-                <a:srgbClr val="4FB21E"/>
-              </a:buClr>
-              <a:buSzPct val="25000"/>
-              <a:buFont typeface="Noto Sans Symbols"/>
-              <a:buNone/>
-            </a:pPr>
-            <a:r>
-              <a:rPr lang="x-none" sz="2400"/>
-              <a:t>האם קיימות אפליקציות קיימות כמו האפליקציה שמפותחת, להביא דוגמאות קיימות ותצלומי מסך</a:t>
-            </a:r>
-          </a:p>
-        </p:txBody>
-      </p:sp>
-    </p:spTree>
-  </p:cSld>
-  <p:clrMapOvr>
-    <a:masterClrMapping/>
-  </p:clrMapOvr>
-  <mc:AlternateContent xmlns:mc="http://schemas.openxmlformats.org/markup-compatibility/2006" xmlns:p14="http://schemas.microsoft.com/office/powerpoint/2010/main">
-    <mc:Choice Requires="p14">
-      <p:transition spd="med" p14:dur="700">
-        <p:fade/>
-      </p:transition>
-    </mc:Choice>
-    <mc:Fallback xmlns="">
-      <p:transition spd="med">
-        <p:fade/>
-      </p:transition>
-    </mc:Fallback>
-  </mc:AlternateContent>
-  <p:timing>
-    <p:tnLst>
-      <p:par>
-        <p:cTn id="1" dur="indefinite" restart="never" nodeType="tmRoot"/>
-      </p:par>
-    </p:tnLst>
-  </p:timing>
-</p:sld>
-</file>
-
-<file path=ppt/slides/slide5.xml><?xml version="1.0" encoding="utf-8"?>
-<p:sld xmlns:a="http://schemas.openxmlformats.org/drawingml/2006/main" xmlns:r="http://schemas.openxmlformats.org/officeDocument/2006/relationships" xmlns:p="http://schemas.openxmlformats.org/presentationml/2006/main">
-  <p:cSld>
-    <p:spTree>
-      <p:nvGrpSpPr>
         <p:cNvPr id="1" name="Shape 98"/>
         <p:cNvGrpSpPr/>
         <p:nvPr/>
@@ -14075,7 +13273,7 @@
 </p:sld>
 </file>
 
-<file path=ppt/slides/slide6.xml><?xml version="1.0" encoding="utf-8"?>
+<file path=ppt/slides/slide5.xml><?xml version="1.0" encoding="utf-8"?>
 <p:sld xmlns:a="http://schemas.openxmlformats.org/drawingml/2006/main" xmlns:r="http://schemas.openxmlformats.org/officeDocument/2006/relationships" xmlns:p="http://schemas.openxmlformats.org/presentationml/2006/main">
   <p:cSld>
     <p:spTree>
@@ -14535,7 +13733,7 @@
 </p:sld>
 </file>
 
-<file path=ppt/slides/slide7.xml><?xml version="1.0" encoding="utf-8"?>
+<file path=ppt/slides/slide6.xml><?xml version="1.0" encoding="utf-8"?>
 <p:sld xmlns:a="http://schemas.openxmlformats.org/drawingml/2006/main" xmlns:r="http://schemas.openxmlformats.org/officeDocument/2006/relationships" xmlns:p="http://schemas.openxmlformats.org/presentationml/2006/main">
   <p:cSld>
     <p:spTree>
@@ -14720,7 +13918,7 @@
 </p:sld>
 </file>
 
-<file path=ppt/slides/slide8.xml><?xml version="1.0" encoding="utf-8"?>
+<file path=ppt/slides/slide7.xml><?xml version="1.0" encoding="utf-8"?>
 <p:sld xmlns:a="http://schemas.openxmlformats.org/drawingml/2006/main" xmlns:r="http://schemas.openxmlformats.org/officeDocument/2006/relationships" xmlns:p="http://schemas.openxmlformats.org/presentationml/2006/main">
   <p:cSld>
     <p:spTree>
@@ -14982,7 +14180,7 @@
 </p:sld>
 </file>
 
-<file path=ppt/slides/slide9.xml><?xml version="1.0" encoding="utf-8"?>
+<file path=ppt/slides/slide8.xml><?xml version="1.0" encoding="utf-8"?>
 <p:sld xmlns:a="http://schemas.openxmlformats.org/drawingml/2006/main" xmlns:r="http://schemas.openxmlformats.org/officeDocument/2006/relationships" xmlns:p="http://schemas.openxmlformats.org/presentationml/2006/main">
   <p:cSld>
     <p:spTree>
@@ -15162,6 +14360,222 @@
     <p:extLst>
       <p:ext uri="{BB962C8B-B14F-4D97-AF65-F5344CB8AC3E}">
         <p14:creationId xmlns:p14="http://schemas.microsoft.com/office/powerpoint/2010/main" val="2435984310"/>
+      </p:ext>
+    </p:extLst>
+  </p:cSld>
+  <p:clrMapOvr>
+    <a:masterClrMapping/>
+  </p:clrMapOvr>
+  <mc:AlternateContent xmlns:mc="http://schemas.openxmlformats.org/markup-compatibility/2006" xmlns:p14="http://schemas.microsoft.com/office/powerpoint/2010/main">
+    <mc:Choice Requires="p14">
+      <p:transition spd="med" p14:dur="700">
+        <p:fade/>
+      </p:transition>
+    </mc:Choice>
+    <mc:Fallback xmlns="">
+      <p:transition spd="med">
+        <p:fade/>
+      </p:transition>
+    </mc:Fallback>
+  </mc:AlternateContent>
+  <p:timing>
+    <p:tnLst>
+      <p:par>
+        <p:cTn id="1" dur="indefinite" restart="never" nodeType="tmRoot"/>
+      </p:par>
+    </p:tnLst>
+  </p:timing>
+</p:sld>
+</file>
+
+<file path=ppt/slides/slide9.xml><?xml version="1.0" encoding="utf-8"?>
+<p:sld xmlns:a="http://schemas.openxmlformats.org/drawingml/2006/main" xmlns:r="http://schemas.openxmlformats.org/officeDocument/2006/relationships" xmlns:p="http://schemas.openxmlformats.org/presentationml/2006/main">
+  <p:cSld>
+    <p:spTree>
+      <p:nvGrpSpPr>
+        <p:cNvPr id="1" name="Shape 126"/>
+        <p:cNvGrpSpPr/>
+        <p:nvPr/>
+      </p:nvGrpSpPr>
+      <p:grpSpPr>
+        <a:xfrm>
+          <a:off x="0" y="0"/>
+          <a:ext cx="0" cy="0"/>
+          <a:chOff x="0" y="0"/>
+          <a:chExt cx="0" cy="0"/>
+        </a:xfrm>
+      </p:grpSpPr>
+      <p:sp>
+        <p:nvSpPr>
+          <p:cNvPr id="127" name="Shape 127"/>
+          <p:cNvSpPr txBox="1">
+            <a:spLocks noGrp="1"/>
+          </p:cNvSpPr>
+          <p:nvPr>
+            <p:ph type="title"/>
+          </p:nvPr>
+        </p:nvSpPr>
+        <p:spPr>
+          <a:xfrm>
+            <a:off x="457200" y="274637"/>
+            <a:ext cx="8329612" cy="1143000"/>
+          </a:xfrm>
+          <a:prstGeom prst="rect">
+            <a:avLst/>
+          </a:prstGeom>
+          <a:noFill/>
+          <a:ln>
+            <a:noFill/>
+          </a:ln>
+        </p:spPr>
+        <p:txBody>
+          <a:bodyPr lIns="91425" tIns="45700" rIns="91425" bIns="45700" anchor="ctr" anchorCtr="0">
+            <a:noAutofit/>
+          </a:bodyPr>
+          <a:lstStyle/>
+          <a:p>
+            <a:pPr marL="0" marR="0" lvl="0" indent="0" algn="ctr" rtl="1">
+              <a:spcBef>
+                <a:spcPts val="0"/>
+              </a:spcBef>
+              <a:spcAft>
+                <a:spcPts val="0"/>
+              </a:spcAft>
+              <a:buSzPct val="25000"/>
+              <a:buNone/>
+            </a:pPr>
+            <a:r>
+              <a:rPr lang="he-IL" sz="2400" b="0" i="0" u="none" strike="noStrike" cap="none" dirty="0" smtClean="0">
+                <a:solidFill>
+                  <a:srgbClr val="4FB21E"/>
+                </a:solidFill>
+                <a:sym typeface="Arial"/>
+              </a:rPr>
+              <a:t>מסכים נוספים – </a:t>
+            </a:r>
+            <a:br>
+              <a:rPr lang="he-IL" sz="2400" b="0" i="0" u="none" strike="noStrike" cap="none" dirty="0" smtClean="0">
+                <a:solidFill>
+                  <a:srgbClr val="4FB21E"/>
+                </a:solidFill>
+                <a:sym typeface="Arial"/>
+              </a:rPr>
+            </a:br>
+            <a:r>
+              <a:rPr lang="he-IL" sz="2400" dirty="0" smtClean="0"/>
+              <a:t>הודעת </a:t>
+            </a:r>
+            <a:r>
+              <a:rPr lang="en-US" sz="2400" dirty="0" smtClean="0"/>
+              <a:t>PUSH</a:t>
+            </a:r>
+            <a:r>
+              <a:rPr lang="he-IL" sz="2400" dirty="0" smtClean="0"/>
+              <a:t> על יצירת מתכון חדש/ בחירת רכיבים/שמירת מתכון</a:t>
+            </a:r>
+            <a:endParaRPr lang="x-none" sz="2400" b="0" i="0" u="none" strike="noStrike" cap="none" dirty="0">
+              <a:solidFill>
+                <a:srgbClr val="4FB21E"/>
+              </a:solidFill>
+              <a:sym typeface="Arial"/>
+            </a:endParaRPr>
+          </a:p>
+        </p:txBody>
+      </p:sp>
+      <p:pic>
+        <p:nvPicPr>
+          <p:cNvPr id="4" name="Picture 3"/>
+          <p:cNvPicPr>
+            <a:picLocks noChangeAspect="1"/>
+          </p:cNvPicPr>
+          <p:nvPr/>
+        </p:nvPicPr>
+        <p:blipFill>
+          <a:blip r:embed="rId3">
+            <a:extLst>
+              <a:ext uri="{28A0092B-C50C-407E-A947-70E740481C1C}">
+                <a14:useLocalDpi xmlns:a14="http://schemas.microsoft.com/office/drawing/2010/main" val="0"/>
+              </a:ext>
+            </a:extLst>
+          </a:blip>
+          <a:stretch>
+            <a:fillRect/>
+          </a:stretch>
+        </p:blipFill>
+        <p:spPr>
+          <a:xfrm>
+            <a:off x="6249263" y="1417637"/>
+            <a:ext cx="2524773" cy="4735773"/>
+          </a:xfrm>
+          <a:prstGeom prst="rect">
+            <a:avLst/>
+          </a:prstGeom>
+        </p:spPr>
+      </p:pic>
+      <p:pic>
+        <p:nvPicPr>
+          <p:cNvPr id="2" name="Picture 1"/>
+          <p:cNvPicPr>
+            <a:picLocks noChangeAspect="1"/>
+          </p:cNvPicPr>
+          <p:nvPr/>
+        </p:nvPicPr>
+        <p:blipFill>
+          <a:blip r:embed="rId4">
+            <a:extLst>
+              <a:ext uri="{28A0092B-C50C-407E-A947-70E740481C1C}">
+                <a14:useLocalDpi xmlns:a14="http://schemas.microsoft.com/office/drawing/2010/main" val="0"/>
+              </a:ext>
+            </a:extLst>
+          </a:blip>
+          <a:stretch>
+            <a:fillRect/>
+          </a:stretch>
+        </p:blipFill>
+        <p:spPr>
+          <a:xfrm>
+            <a:off x="457200" y="1417637"/>
+            <a:ext cx="2537548" cy="4735773"/>
+          </a:xfrm>
+          <a:prstGeom prst="rect">
+            <a:avLst/>
+          </a:prstGeom>
+        </p:spPr>
+      </p:pic>
+      <p:pic>
+        <p:nvPicPr>
+          <p:cNvPr id="7" name="Picture 6"/>
+          <p:cNvPicPr>
+            <a:picLocks noChangeAspect="1"/>
+          </p:cNvPicPr>
+          <p:nvPr/>
+        </p:nvPicPr>
+        <p:blipFill>
+          <a:blip r:embed="rId5">
+            <a:extLst>
+              <a:ext uri="{28A0092B-C50C-407E-A947-70E740481C1C}">
+                <a14:useLocalDpi xmlns:a14="http://schemas.microsoft.com/office/drawing/2010/main" val="0"/>
+              </a:ext>
+            </a:extLst>
+          </a:blip>
+          <a:stretch>
+            <a:fillRect/>
+          </a:stretch>
+        </p:blipFill>
+        <p:spPr>
+          <a:xfrm>
+            <a:off x="3362334" y="1417637"/>
+            <a:ext cx="2519343" cy="4735773"/>
+          </a:xfrm>
+          <a:prstGeom prst="rect">
+            <a:avLst/>
+          </a:prstGeom>
+        </p:spPr>
+      </p:pic>
+    </p:spTree>
+    <p:extLst>
+      <p:ext uri="{BB962C8B-B14F-4D97-AF65-F5344CB8AC3E}">
+        <p14:creationId xmlns:p14="http://schemas.microsoft.com/office/powerpoint/2010/main" val="1878609552"/>
       </p:ext>
     </p:extLst>
   </p:cSld>

--- a/DigitalRecipeV2.ppt.pptx
+++ b/DigitalRecipeV2.ppt.pptx
@@ -11647,31 +11647,7 @@
                 <a:cs typeface="Arial"/>
                 <a:sym typeface="Arial"/>
               </a:rPr>
-              <a:t>הפעלת הודעות </a:t>
-            </a:r>
-            <a:r>
-              <a:rPr lang="he-IL" sz="2400" b="0" i="0" u="none" strike="noStrike" cap="none" dirty="0" smtClean="0">
-                <a:solidFill>
-                  <a:schemeClr val="dk1"/>
-                </a:solidFill>
-                <a:latin typeface="Arial"/>
-                <a:ea typeface="Arial"/>
-                <a:cs typeface="Arial"/>
-                <a:sym typeface="Arial"/>
-              </a:rPr>
-              <a:t>דחיפה </a:t>
-            </a:r>
-            <a:r>
-              <a:rPr lang="he-IL" sz="2400" b="0" i="0" u="none" strike="noStrike" cap="none" dirty="0" smtClean="0">
-                <a:solidFill>
-                  <a:schemeClr val="dk1"/>
-                </a:solidFill>
-                <a:latin typeface="Arial"/>
-                <a:ea typeface="Arial"/>
-                <a:cs typeface="Arial"/>
-                <a:sym typeface="Arial"/>
-              </a:rPr>
-              <a:t>בהוספת מתכון חדש למערכת.</a:t>
+              <a:t>הפעלת הודעות דחיפה בהוספת מתכון חדש למערכת.</a:t>
             </a:r>
             <a:endParaRPr lang="x-none" sz="2400" b="0" i="0" u="none" strike="noStrike" cap="none" dirty="0">
               <a:solidFill>
@@ -11754,7 +11730,6 @@
               <a:rPr lang="x-none" sz="2400" dirty="0"/>
               <a:t>.</a:t>
             </a:r>
-            <a:endParaRPr lang="x-none" sz="2400" dirty="0"/>
           </a:p>
           <a:p>
             <a:pPr lvl="1" indent="-342900">
@@ -11775,7 +11750,22 @@
             </a:pPr>
             <a:r>
               <a:rPr lang="he-IL" sz="2400" dirty="0"/>
-              <a:t>יצירת מערכת תגובות למתכונים.</a:t>
+              <a:t>יצירת מערכת תגובות למתכונים</a:t>
+            </a:r>
+            <a:r>
+              <a:rPr lang="he-IL" sz="2400" dirty="0" smtClean="0"/>
+              <a:t>.</a:t>
+            </a:r>
+          </a:p>
+          <a:p>
+            <a:pPr lvl="1" indent="-342900">
+              <a:spcBef>
+                <a:spcPts val="480"/>
+              </a:spcBef>
+            </a:pPr>
+            <a:r>
+              <a:rPr lang="he-IL" sz="2400" dirty="0" smtClean="0"/>
+              <a:t>צילום מתכונים ושמירת הצילום בשרת המרוחק.</a:t>
             </a:r>
             <a:endParaRPr lang="x-none" sz="2400" dirty="0"/>
           </a:p>
@@ -12089,29 +12079,14 @@
               <a:t>שימוש ב - </a:t>
             </a:r>
             <a:r>
-              <a:rPr lang="en-US" sz="2800" dirty="0"/>
-              <a:t>Version control </a:t>
-            </a:r>
-            <a:r>
-              <a:rPr lang="en-US" sz="2800" dirty="0" err="1"/>
+              <a:rPr lang="en-US" sz="2800" dirty="0" err="1" smtClean="0"/>
               <a:t>GitHUB</a:t>
             </a:r>
             <a:r>
-              <a:rPr lang="en-US" sz="2800" dirty="0"/>
-              <a:t> </a:t>
+              <a:rPr lang="he-IL" sz="2800" dirty="0" smtClean="0"/>
+              <a:t>.</a:t>
             </a:r>
-            <a:r>
-              <a:rPr lang="he-IL" sz="2800" dirty="0" smtClean="0"/>
-              <a:t> בהחלט </a:t>
-            </a:r>
-            <a:r>
-              <a:rPr lang="he-IL" sz="2800" dirty="0"/>
-              <a:t>עזר למימוש </a:t>
-            </a:r>
-            <a:r>
-              <a:rPr lang="he-IL" sz="2800" dirty="0" smtClean="0"/>
-              <a:t>הפרויקט.</a:t>
-            </a:r>
+            <a:endParaRPr lang="he-IL" sz="2800" dirty="0" smtClean="0"/>
           </a:p>
           <a:p>
             <a:pPr marL="342900" lvl="2" indent="-342900">
@@ -12731,7 +12706,31 @@
                 <a:cs typeface="Arial"/>
                 <a:sym typeface="Arial"/>
               </a:rPr>
-              <a:t>שיתוף מתכונים בכלל הטכנולוגיות המותקנות במכשיר.</a:t>
+              <a:t>שיתוף מתכונים בכלל הטכנולוגיות </a:t>
+            </a:r>
+            <a:r>
+              <a:rPr lang="he-IL" sz="2400" b="0" i="0" u="none" strike="noStrike" cap="none" dirty="0" smtClean="0">
+                <a:solidFill>
+                  <a:schemeClr val="dk1"/>
+                </a:solidFill>
+                <a:latin typeface="Arial"/>
+                <a:ea typeface="Arial"/>
+                <a:cs typeface="Arial"/>
+                <a:sym typeface="Arial"/>
+              </a:rPr>
+              <a:t>הקיימות במכשיר</a:t>
+            </a:r>
+            <a:r>
+              <a:rPr lang="he-IL" sz="2400" b="0" i="0" u="none" strike="noStrike" cap="none" dirty="0" smtClean="0">
+                <a:solidFill>
+                  <a:schemeClr val="dk1"/>
+                </a:solidFill>
+                <a:latin typeface="Arial"/>
+                <a:ea typeface="Arial"/>
+                <a:cs typeface="Arial"/>
+                <a:sym typeface="Arial"/>
+              </a:rPr>
+              <a:t>.</a:t>
             </a:r>
           </a:p>
           <a:p>
@@ -12786,7 +12785,11 @@
             </a:pPr>
             <a:r>
               <a:rPr lang="he-IL" sz="2400" dirty="0" smtClean="0"/>
-              <a:t>קבלת 10 המתכונים המדורגים ביותר.</a:t>
+              <a:t>הצגת 10 </a:t>
+            </a:r>
+            <a:r>
+              <a:rPr lang="he-IL" sz="2400" dirty="0" smtClean="0"/>
+              <a:t>המתכונים המדורגים ביותר.</a:t>
             </a:r>
           </a:p>
           <a:p>
@@ -12814,15 +12817,11 @@
             </a:r>
             <a:r>
               <a:rPr lang="he-IL" sz="2400" dirty="0" smtClean="0"/>
-              <a:t>משתמש </a:t>
+              <a:t>משתמש כלשהו יצר </a:t>
             </a:r>
             <a:r>
               <a:rPr lang="he-IL" sz="2400" dirty="0" smtClean="0"/>
-              <a:t>כלשהו יצר </a:t>
-            </a:r>
-            <a:r>
-              <a:rPr lang="he-IL" sz="2400" dirty="0" smtClean="0"/>
-              <a:t>מתכון</a:t>
+              <a:t>מתכון – גם כאשר האפליקציה כבויה</a:t>
             </a:r>
             <a:r>
               <a:rPr lang="x-none" sz="2400" dirty="0" smtClean="0"/>
